--- a/20221222_Building a process-based model, from scratch.pptx
+++ b/20221222_Building a process-based model, from scratch.pptx
@@ -30,7 +30,8 @@
     <p:sldId id="386" r:id="rId27"/>
     <p:sldId id="383" r:id="rId28"/>
     <p:sldId id="385" r:id="rId29"/>
-    <p:sldId id="384" r:id="rId30"/>
+    <p:sldId id="388" r:id="rId30"/>
+    <p:sldId id="384" r:id="rId31"/>
   </p:sldIdLst>
   <p:sldSz cx="9144000" cy="6858000" type="screen4x3"/>
   <p:notesSz cx="6858000" cy="9144000"/>
@@ -129,6 +130,11 @@
       </a:defRPr>
     </a:lvl9pPr>
   </p:defaultTextStyle>
+  <p:extLst>
+    <p:ext uri="{EFAFB233-063F-42B5-8137-9DF3F51BA10A}">
+      <p15:sldGuideLst xmlns:p15="http://schemas.microsoft.com/office/powerpoint/2012/main"/>
+    </p:ext>
+  </p:extLst>
 </p:presentation>
 </file>
 
@@ -3647,6 +3653,114 @@
             <ac:spMk id="16" creationId="{9FE4D1E6-528E-40FE-8EBD-8F91AE6D9699}"/>
           </ac:spMkLst>
         </pc:spChg>
+      </pc:sldChg>
+    </pc:docChg>
+  </pc:docChgLst>
+  <pc:docChgLst>
+    <pc:chgData name="Camille Minaudo" userId="d2b11633-1f8f-4312-b16f-0d2396921520" providerId="ADAL" clId="{738EBDC0-4BB0-4515-8F9F-F8986E990DB3}"/>
+    <pc:docChg chg="addSld modSld sldOrd">
+      <pc:chgData name="Camille Minaudo" userId="d2b11633-1f8f-4312-b16f-0d2396921520" providerId="ADAL" clId="{738EBDC0-4BB0-4515-8F9F-F8986E990DB3}" dt="2022-12-22T08:23:27.912" v="12"/>
+      <pc:docMkLst>
+        <pc:docMk/>
+      </pc:docMkLst>
+      <pc:sldChg chg="modSp">
+        <pc:chgData name="Camille Minaudo" userId="d2b11633-1f8f-4312-b16f-0d2396921520" providerId="ADAL" clId="{738EBDC0-4BB0-4515-8F9F-F8986E990DB3}" dt="2022-12-22T08:23:27.912" v="12"/>
+        <pc:sldMkLst>
+          <pc:docMk/>
+          <pc:sldMk cId="929447099" sldId="256"/>
+        </pc:sldMkLst>
+        <pc:spChg chg="mod">
+          <ac:chgData name="Camille Minaudo" userId="d2b11633-1f8f-4312-b16f-0d2396921520" providerId="ADAL" clId="{738EBDC0-4BB0-4515-8F9F-F8986E990DB3}" dt="2022-12-22T08:23:27.912" v="12"/>
+          <ac:spMkLst>
+            <pc:docMk/>
+            <pc:sldMk cId="929447099" sldId="256"/>
+            <ac:spMk id="3" creationId="{5E99AAF3-698C-4393-AF75-93D8EADFAB0A}"/>
+          </ac:spMkLst>
+        </pc:spChg>
+      </pc:sldChg>
+      <pc:sldChg chg="modSp">
+        <pc:chgData name="Camille Minaudo" userId="d2b11633-1f8f-4312-b16f-0d2396921520" providerId="ADAL" clId="{738EBDC0-4BB0-4515-8F9F-F8986E990DB3}" dt="2022-12-22T08:10:47.433" v="0" actId="20577"/>
+        <pc:sldMkLst>
+          <pc:docMk/>
+          <pc:sldMk cId="3526113975" sldId="355"/>
+        </pc:sldMkLst>
+        <pc:spChg chg="mod">
+          <ac:chgData name="Camille Minaudo" userId="d2b11633-1f8f-4312-b16f-0d2396921520" providerId="ADAL" clId="{738EBDC0-4BB0-4515-8F9F-F8986E990DB3}" dt="2022-12-22T08:10:47.433" v="0" actId="20577"/>
+          <ac:spMkLst>
+            <pc:docMk/>
+            <pc:sldMk cId="3526113975" sldId="355"/>
+            <ac:spMk id="3" creationId="{688715FE-234D-4AF2-B001-16CDD6D2BCA4}"/>
+          </ac:spMkLst>
+        </pc:spChg>
+      </pc:sldChg>
+      <pc:sldChg chg="ord">
+        <pc:chgData name="Camille Minaudo" userId="d2b11633-1f8f-4312-b16f-0d2396921520" providerId="ADAL" clId="{738EBDC0-4BB0-4515-8F9F-F8986E990DB3}" dt="2022-12-22T08:17:19.917" v="10"/>
+        <pc:sldMkLst>
+          <pc:docMk/>
+          <pc:sldMk cId="2866998275" sldId="384"/>
+        </pc:sldMkLst>
+      </pc:sldChg>
+      <pc:sldChg chg="addSp modSp ord">
+        <pc:chgData name="Camille Minaudo" userId="d2b11633-1f8f-4312-b16f-0d2396921520" providerId="ADAL" clId="{738EBDC0-4BB0-4515-8F9F-F8986E990DB3}" dt="2022-12-22T08:17:24.178" v="11"/>
+        <pc:sldMkLst>
+          <pc:docMk/>
+          <pc:sldMk cId="1884481541" sldId="385"/>
+        </pc:sldMkLst>
+        <pc:spChg chg="add mod">
+          <ac:chgData name="Camille Minaudo" userId="d2b11633-1f8f-4312-b16f-0d2396921520" providerId="ADAL" clId="{738EBDC0-4BB0-4515-8F9F-F8986E990DB3}" dt="2022-12-22T08:15:01.745" v="4" actId="207"/>
+          <ac:spMkLst>
+            <pc:docMk/>
+            <pc:sldMk cId="1884481541" sldId="385"/>
+            <ac:spMk id="3" creationId="{270E11C5-D2AF-4A75-9BE1-61B6FAD9C016}"/>
+          </ac:spMkLst>
+        </pc:spChg>
+        <pc:spChg chg="add mod">
+          <ac:chgData name="Camille Minaudo" userId="d2b11633-1f8f-4312-b16f-0d2396921520" providerId="ADAL" clId="{738EBDC0-4BB0-4515-8F9F-F8986E990DB3}" dt="2022-12-22T08:15:09.536" v="5" actId="767"/>
+          <ac:spMkLst>
+            <pc:docMk/>
+            <pc:sldMk cId="1884481541" sldId="385"/>
+            <ac:spMk id="6" creationId="{585E3198-FD21-4ACE-996D-6F307D9B24C2}"/>
+          </ac:spMkLst>
+        </pc:spChg>
+        <pc:spChg chg="add mod">
+          <ac:chgData name="Camille Minaudo" userId="d2b11633-1f8f-4312-b16f-0d2396921520" providerId="ADAL" clId="{738EBDC0-4BB0-4515-8F9F-F8986E990DB3}" dt="2022-12-22T08:16:24.038" v="9" actId="767"/>
+          <ac:spMkLst>
+            <pc:docMk/>
+            <pc:sldMk cId="1884481541" sldId="385"/>
+            <ac:spMk id="14" creationId="{4CA92650-195E-417C-A92E-D51F9BE7B309}"/>
+          </ac:spMkLst>
+        </pc:spChg>
+        <pc:picChg chg="add">
+          <ac:chgData name="Camille Minaudo" userId="d2b11633-1f8f-4312-b16f-0d2396921520" providerId="ADAL" clId="{738EBDC0-4BB0-4515-8F9F-F8986E990DB3}" dt="2022-12-22T08:15:31.911" v="6"/>
+          <ac:picMkLst>
+            <pc:docMk/>
+            <pc:sldMk cId="1884481541" sldId="385"/>
+            <ac:picMk id="1026" creationId="{348566AB-71E4-469B-99A0-32C7B77D775A}"/>
+          </ac:picMkLst>
+        </pc:picChg>
+        <pc:picChg chg="add">
+          <ac:chgData name="Camille Minaudo" userId="d2b11633-1f8f-4312-b16f-0d2396921520" providerId="ADAL" clId="{738EBDC0-4BB0-4515-8F9F-F8986E990DB3}" dt="2022-12-22T08:15:51.890" v="7"/>
+          <ac:picMkLst>
+            <pc:docMk/>
+            <pc:sldMk cId="1884481541" sldId="385"/>
+            <ac:picMk id="1028" creationId="{04BDB3BE-27FD-4310-84E8-50FEFCE6903D}"/>
+          </ac:picMkLst>
+        </pc:picChg>
+        <pc:cxnChg chg="add">
+          <ac:chgData name="Camille Minaudo" userId="d2b11633-1f8f-4312-b16f-0d2396921520" providerId="ADAL" clId="{738EBDC0-4BB0-4515-8F9F-F8986E990DB3}" dt="2022-12-22T08:15:59.583" v="8"/>
+          <ac:cxnSpMkLst>
+            <pc:docMk/>
+            <pc:sldMk cId="1884481541" sldId="385"/>
+            <ac:cxnSpMk id="17" creationId="{E54AA0AC-E1CC-4A5B-AE60-B50BFD30C8FA}"/>
+          </ac:cxnSpMkLst>
+        </pc:cxnChg>
+      </pc:sldChg>
+      <pc:sldChg chg="add">
+        <pc:chgData name="Camille Minaudo" userId="d2b11633-1f8f-4312-b16f-0d2396921520" providerId="ADAL" clId="{738EBDC0-4BB0-4515-8F9F-F8986E990DB3}" dt="2022-12-22T08:13:34.634" v="1"/>
+        <pc:sldMkLst>
+          <pc:docMk/>
+          <pc:sldMk cId="3748865829" sldId="388"/>
+        </pc:sldMkLst>
       </pc:sldChg>
     </pc:docChg>
   </pc:docChgLst>
@@ -3860,7 +3974,7 @@
           <a:p>
             <a:fld id="{42F810D5-A1BB-4183-A7C2-1125CDAA4C5F}" type="datetimeFigureOut">
               <a:rPr lang="en-GB" smtClean="0"/>
-              <a:t>21/12/2022</a:t>
+              <a:t>22/12/2022</a:t>
             </a:fld>
             <a:endParaRPr lang="en-GB"/>
           </a:p>
@@ -4052,7 +4166,7 @@
           <a:p>
             <a:fld id="{42F810D5-A1BB-4183-A7C2-1125CDAA4C5F}" type="datetimeFigureOut">
               <a:rPr lang="en-GB" smtClean="0"/>
-              <a:t>21/12/2022</a:t>
+              <a:t>22/12/2022</a:t>
             </a:fld>
             <a:endParaRPr lang="en-GB"/>
           </a:p>
@@ -4232,7 +4346,7 @@
           <a:p>
             <a:fld id="{42F810D5-A1BB-4183-A7C2-1125CDAA4C5F}" type="datetimeFigureOut">
               <a:rPr lang="en-GB" smtClean="0"/>
-              <a:t>21/12/2022</a:t>
+              <a:t>22/12/2022</a:t>
             </a:fld>
             <a:endParaRPr lang="en-GB"/>
           </a:p>
@@ -4402,7 +4516,7 @@
           <a:p>
             <a:fld id="{42F810D5-A1BB-4183-A7C2-1125CDAA4C5F}" type="datetimeFigureOut">
               <a:rPr lang="en-GB" smtClean="0"/>
-              <a:t>21/12/2022</a:t>
+              <a:t>22/12/2022</a:t>
             </a:fld>
             <a:endParaRPr lang="en-GB"/>
           </a:p>
@@ -4656,7 +4770,7 @@
           <a:p>
             <a:fld id="{42F810D5-A1BB-4183-A7C2-1125CDAA4C5F}" type="datetimeFigureOut">
               <a:rPr lang="en-GB" smtClean="0"/>
-              <a:t>21/12/2022</a:t>
+              <a:t>22/12/2022</a:t>
             </a:fld>
             <a:endParaRPr lang="en-GB"/>
           </a:p>
@@ -4982,7 +5096,7 @@
           <a:p>
             <a:fld id="{42F810D5-A1BB-4183-A7C2-1125CDAA4C5F}" type="datetimeFigureOut">
               <a:rPr lang="en-GB" smtClean="0"/>
-              <a:t>21/12/2022</a:t>
+              <a:t>22/12/2022</a:t>
             </a:fld>
             <a:endParaRPr lang="en-GB"/>
           </a:p>
@@ -5402,7 +5516,7 @@
           <a:p>
             <a:fld id="{42F810D5-A1BB-4183-A7C2-1125CDAA4C5F}" type="datetimeFigureOut">
               <a:rPr lang="en-GB" smtClean="0"/>
-              <a:t>21/12/2022</a:t>
+              <a:t>22/12/2022</a:t>
             </a:fld>
             <a:endParaRPr lang="en-GB"/>
           </a:p>
@@ -5520,7 +5634,7 @@
           <a:p>
             <a:fld id="{42F810D5-A1BB-4183-A7C2-1125CDAA4C5F}" type="datetimeFigureOut">
               <a:rPr lang="en-GB" smtClean="0"/>
-              <a:t>21/12/2022</a:t>
+              <a:t>22/12/2022</a:t>
             </a:fld>
             <a:endParaRPr lang="en-GB"/>
           </a:p>
@@ -5615,7 +5729,7 @@
           <a:p>
             <a:fld id="{42F810D5-A1BB-4183-A7C2-1125CDAA4C5F}" type="datetimeFigureOut">
               <a:rPr lang="en-GB" smtClean="0"/>
-              <a:t>21/12/2022</a:t>
+              <a:t>22/12/2022</a:t>
             </a:fld>
             <a:endParaRPr lang="en-GB"/>
           </a:p>
@@ -5902,7 +6016,7 @@
           <a:p>
             <a:fld id="{42F810D5-A1BB-4183-A7C2-1125CDAA4C5F}" type="datetimeFigureOut">
               <a:rPr lang="en-GB" smtClean="0"/>
-              <a:t>21/12/2022</a:t>
+              <a:t>22/12/2022</a:t>
             </a:fld>
             <a:endParaRPr lang="en-GB"/>
           </a:p>
@@ -6224,7 +6338,7 @@
           <a:p>
             <a:fld id="{42F810D5-A1BB-4183-A7C2-1125CDAA4C5F}" type="datetimeFigureOut">
               <a:rPr lang="en-GB" smtClean="0"/>
-              <a:t>21/12/2022</a:t>
+              <a:t>22/12/2022</a:t>
             </a:fld>
             <a:endParaRPr lang="en-GB"/>
           </a:p>
@@ -6478,7 +6592,7 @@
           <a:p>
             <a:fld id="{42F810D5-A1BB-4183-A7C2-1125CDAA4C5F}" type="datetimeFigureOut">
               <a:rPr lang="en-GB" smtClean="0"/>
-              <a:t>21/12/2022</a:t>
+              <a:t>22/12/2022</a:t>
             </a:fld>
             <a:endParaRPr lang="en-GB"/>
           </a:p>
@@ -7081,6 +7195,40 @@
               <a:t>Camille Minaudo</a:t>
             </a:r>
           </a:p>
+          <a:p>
+            <a:endParaRPr lang="en-GB" sz="2800" dirty="0"/>
+          </a:p>
+          <a:p>
+            <a:r>
+              <a:rPr lang="en-GB" dirty="0" err="1"/>
+              <a:t>Sistemes</a:t>
+            </a:r>
+            <a:r>
+              <a:rPr lang="en-GB" dirty="0"/>
+              <a:t> </a:t>
+            </a:r>
+            <a:r>
+              <a:rPr lang="en-GB" dirty="0" err="1"/>
+              <a:t>Dinàmics</a:t>
+            </a:r>
+            <a:r>
+              <a:rPr lang="en-GB" dirty="0"/>
+              <a:t> </a:t>
+            </a:r>
+            <a:r>
+              <a:rPr lang="en-GB" dirty="0" err="1"/>
+              <a:t>en</a:t>
+            </a:r>
+            <a:r>
+              <a:rPr lang="en-GB" dirty="0"/>
+              <a:t> </a:t>
+            </a:r>
+            <a:r>
+              <a:rPr lang="en-GB" dirty="0" err="1"/>
+              <a:t>Ecologia</a:t>
+            </a:r>
+            <a:endParaRPr lang="en-GB" sz="2800" dirty="0"/>
+          </a:p>
         </p:txBody>
       </p:sp>
     </p:spTree>
@@ -7593,8 +7741,8 @@
           </a:p>
         </p:txBody>
       </p:sp>
-      <mc:AlternateContent xmlns:mc="http://schemas.openxmlformats.org/markup-compatibility/2006">
-        <mc:Choice xmlns:a14="http://schemas.microsoft.com/office/drawing/2010/main" Requires="a14">
+      <mc:AlternateContent xmlns:mc="http://schemas.openxmlformats.org/markup-compatibility/2006" xmlns:a14="http://schemas.microsoft.com/office/drawing/2010/main">
+        <mc:Choice Requires="a14">
           <p:sp>
             <p:nvSpPr>
               <p:cNvPr id="37" name="TextBox 36">
@@ -7623,6 +7771,7 @@
               </a:bodyPr>
               <a:lstStyle/>
               <a:p>
+                <a:pPr/>
                 <a14:m>
                   <m:oMathPara xmlns:m="http://schemas.openxmlformats.org/officeDocument/2006/math">
                     <m:oMathParaPr>
@@ -7803,7 +7952,7 @@
             </p:txBody>
           </p:sp>
         </mc:Choice>
-        <mc:Fallback>
+        <mc:Fallback xmlns="">
           <p:sp>
             <p:nvSpPr>
               <p:cNvPr id="37" name="TextBox 36">
@@ -8363,8 +8512,8 @@
           </a:p>
         </p:txBody>
       </p:sp>
-      <mc:AlternateContent xmlns:mc="http://schemas.openxmlformats.org/markup-compatibility/2006">
-        <mc:Choice xmlns:a14="http://schemas.microsoft.com/office/drawing/2010/main" Requires="a14">
+      <mc:AlternateContent xmlns:mc="http://schemas.openxmlformats.org/markup-compatibility/2006" xmlns:a14="http://schemas.microsoft.com/office/drawing/2010/main">
+        <mc:Choice Requires="a14">
           <p:sp>
             <p:nvSpPr>
               <p:cNvPr id="25" name="TextBox 24">
@@ -8393,6 +8542,7 @@
               </a:bodyPr>
               <a:lstStyle/>
               <a:p>
+                <a:pPr/>
                 <a14:m>
                   <m:oMathPara xmlns:m="http://schemas.openxmlformats.org/officeDocument/2006/math">
                     <m:oMathParaPr>
@@ -8432,7 +8582,7 @@
             </p:txBody>
           </p:sp>
         </mc:Choice>
-        <mc:Fallback>
+        <mc:Fallback xmlns="">
           <p:sp>
             <p:nvSpPr>
               <p:cNvPr id="25" name="TextBox 24">
@@ -8625,8 +8775,8 @@
           </a:p>
         </p:txBody>
       </p:sp>
-      <mc:AlternateContent xmlns:mc="http://schemas.openxmlformats.org/markup-compatibility/2006">
-        <mc:Choice xmlns:a14="http://schemas.microsoft.com/office/drawing/2010/main" Requires="a14">
+      <mc:AlternateContent xmlns:mc="http://schemas.openxmlformats.org/markup-compatibility/2006" xmlns:a14="http://schemas.microsoft.com/office/drawing/2010/main">
+        <mc:Choice Requires="a14">
           <p:sp>
             <p:nvSpPr>
               <p:cNvPr id="37" name="TextBox 36">
@@ -8868,7 +9018,7 @@
             </p:txBody>
           </p:sp>
         </mc:Choice>
-        <mc:Fallback>
+        <mc:Fallback xmlns="">
           <p:sp>
             <p:nvSpPr>
               <p:cNvPr id="37" name="TextBox 36">
@@ -9031,8 +9181,8 @@
           </a:p>
         </p:txBody>
       </p:sp>
-      <mc:AlternateContent xmlns:mc="http://schemas.openxmlformats.org/markup-compatibility/2006">
-        <mc:Choice xmlns:a14="http://schemas.microsoft.com/office/drawing/2010/main" Requires="a14">
+      <mc:AlternateContent xmlns:mc="http://schemas.openxmlformats.org/markup-compatibility/2006" xmlns:a14="http://schemas.microsoft.com/office/drawing/2010/main">
+        <mc:Choice Requires="a14">
           <p:sp>
             <p:nvSpPr>
               <p:cNvPr id="20" name="TextBox 19">
@@ -9061,6 +9211,7 @@
               </a:bodyPr>
               <a:lstStyle/>
               <a:p>
+                <a:pPr/>
                 <a14:m>
                   <m:oMathPara xmlns:m="http://schemas.openxmlformats.org/officeDocument/2006/math">
                     <m:oMathParaPr>
@@ -9242,7 +9393,7 @@
             </p:txBody>
           </p:sp>
         </mc:Choice>
-        <mc:Fallback>
+        <mc:Fallback xmlns="">
           <p:sp>
             <p:nvSpPr>
               <p:cNvPr id="20" name="TextBox 19">
@@ -9737,8 +9888,8 @@
           </a:p>
         </p:txBody>
       </p:sp>
-      <mc:AlternateContent xmlns:mc="http://schemas.openxmlformats.org/markup-compatibility/2006">
-        <mc:Choice xmlns:a14="http://schemas.microsoft.com/office/drawing/2010/main" Requires="a14">
+      <mc:AlternateContent xmlns:mc="http://schemas.openxmlformats.org/markup-compatibility/2006" xmlns:a14="http://schemas.microsoft.com/office/drawing/2010/main">
+        <mc:Choice Requires="a14">
           <p:sp>
             <p:nvSpPr>
               <p:cNvPr id="25" name="TextBox 24">
@@ -9767,6 +9918,7 @@
               </a:bodyPr>
               <a:lstStyle/>
               <a:p>
+                <a:pPr/>
                 <a14:m>
                   <m:oMathPara xmlns:m="http://schemas.openxmlformats.org/officeDocument/2006/math">
                     <m:oMathParaPr>
@@ -9806,7 +9958,7 @@
             </p:txBody>
           </p:sp>
         </mc:Choice>
-        <mc:Fallback>
+        <mc:Fallback xmlns="">
           <p:sp>
             <p:nvSpPr>
               <p:cNvPr id="25" name="TextBox 24">
@@ -10041,8 +10193,8 @@
           </a:p>
         </p:txBody>
       </p:sp>
-      <mc:AlternateContent xmlns:mc="http://schemas.openxmlformats.org/markup-compatibility/2006">
-        <mc:Choice xmlns:a14="http://schemas.microsoft.com/office/drawing/2010/main" Requires="a14">
+      <mc:AlternateContent xmlns:mc="http://schemas.openxmlformats.org/markup-compatibility/2006" xmlns:a14="http://schemas.microsoft.com/office/drawing/2010/main">
+        <mc:Choice Requires="a14">
           <p:sp>
             <p:nvSpPr>
               <p:cNvPr id="37" name="TextBox 36">
@@ -10284,7 +10436,7 @@
             </p:txBody>
           </p:sp>
         </mc:Choice>
-        <mc:Fallback>
+        <mc:Fallback xmlns="">
           <p:sp>
             <p:nvSpPr>
               <p:cNvPr id="37" name="TextBox 36">
@@ -10457,8 +10609,8 @@
           </a:fontRef>
         </p:style>
       </p:cxnSp>
-      <mc:AlternateContent xmlns:mc="http://schemas.openxmlformats.org/markup-compatibility/2006">
-        <mc:Choice xmlns:a14="http://schemas.microsoft.com/office/drawing/2010/main" Requires="a14">
+      <mc:AlternateContent xmlns:mc="http://schemas.openxmlformats.org/markup-compatibility/2006" xmlns:a14="http://schemas.microsoft.com/office/drawing/2010/main">
+        <mc:Choice Requires="a14">
           <p:sp>
             <p:nvSpPr>
               <p:cNvPr id="27" name="TextBox 26">
@@ -10623,7 +10775,7 @@
             </p:txBody>
           </p:sp>
         </mc:Choice>
-        <mc:Fallback>
+        <mc:Fallback xmlns="">
           <p:sp>
             <p:nvSpPr>
               <p:cNvPr id="27" name="TextBox 26">
@@ -10842,8 +10994,8 @@
           </a:p>
         </p:txBody>
       </p:sp>
-      <mc:AlternateContent xmlns:mc="http://schemas.openxmlformats.org/markup-compatibility/2006">
-        <mc:Choice xmlns:a14="http://schemas.microsoft.com/office/drawing/2010/main" Requires="a14">
+      <mc:AlternateContent xmlns:mc="http://schemas.openxmlformats.org/markup-compatibility/2006" xmlns:a14="http://schemas.microsoft.com/office/drawing/2010/main">
+        <mc:Choice Requires="a14">
           <p:sp>
             <p:nvSpPr>
               <p:cNvPr id="36" name="TextBox 35">
@@ -10872,6 +11024,7 @@
               </a:bodyPr>
               <a:lstStyle/>
               <a:p>
+                <a:pPr/>
                 <a14:m>
                   <m:oMathPara xmlns:m="http://schemas.openxmlformats.org/officeDocument/2006/math">
                     <m:oMathParaPr>
@@ -11046,7 +11199,7 @@
             </p:txBody>
           </p:sp>
         </mc:Choice>
-        <mc:Fallback>
+        <mc:Fallback xmlns="">
           <p:sp>
             <p:nvSpPr>
               <p:cNvPr id="36" name="TextBox 35">
@@ -11091,8 +11244,8 @@
           </p:sp>
         </mc:Fallback>
       </mc:AlternateContent>
-      <mc:AlternateContent xmlns:mc="http://schemas.openxmlformats.org/markup-compatibility/2006">
-        <mc:Choice xmlns:a14="http://schemas.microsoft.com/office/drawing/2010/main" Requires="a14">
+      <mc:AlternateContent xmlns:mc="http://schemas.openxmlformats.org/markup-compatibility/2006" xmlns:a14="http://schemas.microsoft.com/office/drawing/2010/main">
+        <mc:Choice Requires="a14">
           <p:sp>
             <p:nvSpPr>
               <p:cNvPr id="41" name="TextBox 40">
@@ -11121,6 +11274,7 @@
               </a:bodyPr>
               <a:lstStyle/>
               <a:p>
+                <a:pPr/>
                 <a14:m>
                   <m:oMathPara xmlns:m="http://schemas.openxmlformats.org/officeDocument/2006/math">
                     <m:oMathParaPr>
@@ -11302,7 +11456,7 @@
             </p:txBody>
           </p:sp>
         </mc:Choice>
-        <mc:Fallback>
+        <mc:Fallback xmlns="">
           <p:sp>
             <p:nvSpPr>
               <p:cNvPr id="41" name="TextBox 40">
@@ -11830,8 +11984,8 @@
           </a:p>
         </p:txBody>
       </p:sp>
-      <mc:AlternateContent xmlns:mc="http://schemas.openxmlformats.org/markup-compatibility/2006">
-        <mc:Choice xmlns:a14="http://schemas.microsoft.com/office/drawing/2010/main" Requires="a14">
+      <mc:AlternateContent xmlns:mc="http://schemas.openxmlformats.org/markup-compatibility/2006" xmlns:a14="http://schemas.microsoft.com/office/drawing/2010/main">
+        <mc:Choice Requires="a14">
           <p:sp>
             <p:nvSpPr>
               <p:cNvPr id="25" name="TextBox 24">
@@ -11860,6 +12014,7 @@
               </a:bodyPr>
               <a:lstStyle/>
               <a:p>
+                <a:pPr/>
                 <a14:m>
                   <m:oMathPara xmlns:m="http://schemas.openxmlformats.org/officeDocument/2006/math">
                     <m:oMathParaPr>
@@ -11899,7 +12054,7 @@
             </p:txBody>
           </p:sp>
         </mc:Choice>
-        <mc:Fallback>
+        <mc:Fallback xmlns="">
           <p:sp>
             <p:nvSpPr>
               <p:cNvPr id="25" name="TextBox 24">
@@ -12134,8 +12289,8 @@
           </a:p>
         </p:txBody>
       </p:sp>
-      <mc:AlternateContent xmlns:mc="http://schemas.openxmlformats.org/markup-compatibility/2006">
-        <mc:Choice xmlns:a14="http://schemas.microsoft.com/office/drawing/2010/main" Requires="a14">
+      <mc:AlternateContent xmlns:mc="http://schemas.openxmlformats.org/markup-compatibility/2006" xmlns:a14="http://schemas.microsoft.com/office/drawing/2010/main">
+        <mc:Choice Requires="a14">
           <p:sp>
             <p:nvSpPr>
               <p:cNvPr id="37" name="TextBox 36">
@@ -12445,7 +12600,7 @@
             </p:txBody>
           </p:sp>
         </mc:Choice>
-        <mc:Fallback>
+        <mc:Fallback xmlns="">
           <p:sp>
             <p:nvSpPr>
               <p:cNvPr id="37" name="TextBox 36">
@@ -12618,8 +12773,8 @@
           </a:fontRef>
         </p:style>
       </p:cxnSp>
-      <mc:AlternateContent xmlns:mc="http://schemas.openxmlformats.org/markup-compatibility/2006">
-        <mc:Choice xmlns:a14="http://schemas.microsoft.com/office/drawing/2010/main" Requires="a14">
+      <mc:AlternateContent xmlns:mc="http://schemas.openxmlformats.org/markup-compatibility/2006" xmlns:a14="http://schemas.microsoft.com/office/drawing/2010/main">
+        <mc:Choice Requires="a14">
           <p:sp>
             <p:nvSpPr>
               <p:cNvPr id="28" name="TextBox 27">
@@ -12648,6 +12803,7 @@
               </a:bodyPr>
               <a:lstStyle/>
               <a:p>
+                <a:pPr/>
                 <a14:m>
                   <m:oMathPara xmlns:m="http://schemas.openxmlformats.org/officeDocument/2006/math">
                     <m:oMathParaPr>
@@ -12745,13 +12901,7 @@
                             <a:rPr lang="en-GB" b="0" i="1" smtClean="0">
                               <a:latin typeface="Cambria Math" panose="02040503050406030204" pitchFamily="18" charset="0"/>
                             </a:rPr>
-                            <m:t>𝑁</m:t>
-                          </m:r>
-                          <m:r>
-                            <a:rPr lang="en-GB" b="0" i="1" smtClean="0">
-                              <a:latin typeface="Cambria Math" panose="02040503050406030204" pitchFamily="18" charset="0"/>
-                            </a:rPr>
-                            <m:t>𝑢𝑡𝑟𝑖𝑒𝑛𝑡𝑠</m:t>
+                            <m:t>𝑁𝑢𝑡𝑟𝑖𝑒𝑛𝑡𝑠</m:t>
                           </m:r>
                         </m:e>
                       </m:d>
@@ -12810,7 +12960,7 @@
             </p:txBody>
           </p:sp>
         </mc:Choice>
-        <mc:Fallback>
+        <mc:Fallback xmlns="">
           <p:sp>
             <p:nvSpPr>
               <p:cNvPr id="28" name="TextBox 27">
@@ -13727,8 +13877,8 @@
           </a:p>
         </p:txBody>
       </p:sp>
-      <mc:AlternateContent xmlns:mc="http://schemas.openxmlformats.org/markup-compatibility/2006">
-        <mc:Choice xmlns:a14="http://schemas.microsoft.com/office/drawing/2010/main" Requires="a14">
+      <mc:AlternateContent xmlns:mc="http://schemas.openxmlformats.org/markup-compatibility/2006" xmlns:a14="http://schemas.microsoft.com/office/drawing/2010/main">
+        <mc:Choice Requires="a14">
           <p:sp>
             <p:nvSpPr>
               <p:cNvPr id="25" name="TextBox 24">
@@ -13757,6 +13907,7 @@
               </a:bodyPr>
               <a:lstStyle/>
               <a:p>
+                <a:pPr/>
                 <a14:m>
                   <m:oMathPara xmlns:m="http://schemas.openxmlformats.org/officeDocument/2006/math">
                     <m:oMathParaPr>
@@ -13796,7 +13947,7 @@
             </p:txBody>
           </p:sp>
         </mc:Choice>
-        <mc:Fallback>
+        <mc:Fallback xmlns="">
           <p:sp>
             <p:nvSpPr>
               <p:cNvPr id="25" name="TextBox 24">
@@ -14031,8 +14182,8 @@
           </a:p>
         </p:txBody>
       </p:sp>
-      <mc:AlternateContent xmlns:mc="http://schemas.openxmlformats.org/markup-compatibility/2006">
-        <mc:Choice xmlns:a14="http://schemas.microsoft.com/office/drawing/2010/main" Requires="a14">
+      <mc:AlternateContent xmlns:mc="http://schemas.openxmlformats.org/markup-compatibility/2006" xmlns:a14="http://schemas.microsoft.com/office/drawing/2010/main">
+        <mc:Choice Requires="a14">
           <p:sp>
             <p:nvSpPr>
               <p:cNvPr id="37" name="TextBox 36">
@@ -14342,7 +14493,7 @@
             </p:txBody>
           </p:sp>
         </mc:Choice>
-        <mc:Fallback>
+        <mc:Fallback xmlns="">
           <p:sp>
             <p:nvSpPr>
               <p:cNvPr id="37" name="TextBox 36">
@@ -14515,8 +14666,8 @@
           </a:fontRef>
         </p:style>
       </p:cxnSp>
-      <mc:AlternateContent xmlns:mc="http://schemas.openxmlformats.org/markup-compatibility/2006">
-        <mc:Choice xmlns:a14="http://schemas.microsoft.com/office/drawing/2010/main" Requires="a14">
+      <mc:AlternateContent xmlns:mc="http://schemas.openxmlformats.org/markup-compatibility/2006" xmlns:a14="http://schemas.microsoft.com/office/drawing/2010/main">
+        <mc:Choice Requires="a14">
           <p:sp>
             <p:nvSpPr>
               <p:cNvPr id="28" name="TextBox 27">
@@ -14545,6 +14696,7 @@
               </a:bodyPr>
               <a:lstStyle/>
               <a:p>
+                <a:pPr/>
                 <a14:m>
                   <m:oMathPara xmlns:m="http://schemas.openxmlformats.org/officeDocument/2006/math">
                     <m:oMathParaPr>
@@ -14642,13 +14794,7 @@
                             <a:rPr lang="en-GB" b="0" i="1" smtClean="0">
                               <a:latin typeface="Cambria Math" panose="02040503050406030204" pitchFamily="18" charset="0"/>
                             </a:rPr>
-                            <m:t>𝑁</m:t>
-                          </m:r>
-                          <m:r>
-                            <a:rPr lang="en-GB" b="0" i="1" smtClean="0">
-                              <a:latin typeface="Cambria Math" panose="02040503050406030204" pitchFamily="18" charset="0"/>
-                            </a:rPr>
-                            <m:t>𝑢𝑡𝑟𝑖𝑒𝑛𝑡𝑠</m:t>
+                            <m:t>𝑁𝑢𝑡𝑟𝑖𝑒𝑛𝑡𝑠</m:t>
                           </m:r>
                         </m:e>
                       </m:d>
@@ -14707,7 +14853,7 @@
             </p:txBody>
           </p:sp>
         </mc:Choice>
-        <mc:Fallback>
+        <mc:Fallback xmlns="">
           <p:sp>
             <p:nvSpPr>
               <p:cNvPr id="28" name="TextBox 27">
@@ -15184,8 +15330,8 @@
           </a:p>
         </p:txBody>
       </p:sp>
-      <mc:AlternateContent xmlns:mc="http://schemas.openxmlformats.org/markup-compatibility/2006">
-        <mc:Choice xmlns:a14="http://schemas.microsoft.com/office/drawing/2010/main" Requires="a14">
+      <mc:AlternateContent xmlns:mc="http://schemas.openxmlformats.org/markup-compatibility/2006" xmlns:a14="http://schemas.microsoft.com/office/drawing/2010/main">
+        <mc:Choice Requires="a14">
           <p:sp>
             <p:nvSpPr>
               <p:cNvPr id="31" name="Rectangle 30">
@@ -15213,6 +15359,7 @@
               </a:bodyPr>
               <a:lstStyle/>
               <a:p>
+                <a:pPr/>
                 <a14:m>
                   <m:oMathPara xmlns:m="http://schemas.openxmlformats.org/officeDocument/2006/math">
                     <m:oMathParaPr>
@@ -15311,7 +15458,7 @@
             </p:txBody>
           </p:sp>
         </mc:Choice>
-        <mc:Fallback>
+        <mc:Fallback xmlns="">
           <p:sp>
             <p:nvSpPr>
               <p:cNvPr id="31" name="Rectangle 30">
@@ -15356,8 +15503,8 @@
           </p:sp>
         </mc:Fallback>
       </mc:AlternateContent>
-      <mc:AlternateContent xmlns:mc="http://schemas.openxmlformats.org/markup-compatibility/2006">
-        <mc:Choice xmlns:a14="http://schemas.microsoft.com/office/drawing/2010/main" Requires="a14">
+      <mc:AlternateContent xmlns:mc="http://schemas.openxmlformats.org/markup-compatibility/2006" xmlns:a14="http://schemas.microsoft.com/office/drawing/2010/main">
+        <mc:Choice Requires="a14">
           <p:sp>
             <p:nvSpPr>
               <p:cNvPr id="36" name="Rectangle 35">
@@ -15385,6 +15532,7 @@
               </a:bodyPr>
               <a:lstStyle/>
               <a:p>
+                <a:pPr/>
                 <a14:m>
                   <m:oMathPara xmlns:m="http://schemas.openxmlformats.org/officeDocument/2006/math">
                     <m:oMathParaPr>
@@ -15518,7 +15666,7 @@
             </p:txBody>
           </p:sp>
         </mc:Choice>
-        <mc:Fallback>
+        <mc:Fallback xmlns="">
           <p:sp>
             <p:nvSpPr>
               <p:cNvPr id="36" name="Rectangle 35">
@@ -16003,8 +16151,8 @@
           </a:p>
         </p:txBody>
       </p:sp>
-      <mc:AlternateContent xmlns:mc="http://schemas.openxmlformats.org/markup-compatibility/2006">
-        <mc:Choice xmlns:a14="http://schemas.microsoft.com/office/drawing/2010/main" Requires="a14">
+      <mc:AlternateContent xmlns:mc="http://schemas.openxmlformats.org/markup-compatibility/2006" xmlns:a14="http://schemas.microsoft.com/office/drawing/2010/main">
+        <mc:Choice Requires="a14">
           <p:sp>
             <p:nvSpPr>
               <p:cNvPr id="25" name="TextBox 24">
@@ -16033,6 +16181,7 @@
               </a:bodyPr>
               <a:lstStyle/>
               <a:p>
+                <a:pPr/>
                 <a14:m>
                   <m:oMathPara xmlns:m="http://schemas.openxmlformats.org/officeDocument/2006/math">
                     <m:oMathParaPr>
@@ -16072,7 +16221,7 @@
             </p:txBody>
           </p:sp>
         </mc:Choice>
-        <mc:Fallback>
+        <mc:Fallback xmlns="">
           <p:sp>
             <p:nvSpPr>
               <p:cNvPr id="25" name="TextBox 24">
@@ -17123,8 +17272,8 @@
           </a:fontRef>
         </p:style>
       </p:cxnSp>
-      <mc:AlternateContent xmlns:mc="http://schemas.openxmlformats.org/markup-compatibility/2006">
-        <mc:Choice xmlns:a14="http://schemas.microsoft.com/office/drawing/2010/main" Requires="a14">
+      <mc:AlternateContent xmlns:mc="http://schemas.openxmlformats.org/markup-compatibility/2006" xmlns:a14="http://schemas.microsoft.com/office/drawing/2010/main">
+        <mc:Choice Requires="a14">
           <p:sp>
             <p:nvSpPr>
               <p:cNvPr id="56" name="TextBox 55">
@@ -17153,6 +17302,7 @@
               </a:bodyPr>
               <a:lstStyle/>
               <a:p>
+                <a:pPr/>
                 <a14:m>
                   <m:oMathPara xmlns:m="http://schemas.openxmlformats.org/officeDocument/2006/math">
                     <m:oMathParaPr>
@@ -17173,7 +17323,7 @@
             </p:txBody>
           </p:sp>
         </mc:Choice>
-        <mc:Fallback>
+        <mc:Fallback xmlns="">
           <p:sp>
             <p:nvSpPr>
               <p:cNvPr id="56" name="TextBox 55">
@@ -17978,8 +18128,8 @@
           </a:p>
         </p:txBody>
       </p:sp>
-      <mc:AlternateContent xmlns:mc="http://schemas.openxmlformats.org/markup-compatibility/2006">
-        <mc:Choice xmlns:a14="http://schemas.microsoft.com/office/drawing/2010/main" Requires="a14">
+      <mc:AlternateContent xmlns:mc="http://schemas.openxmlformats.org/markup-compatibility/2006" xmlns:a14="http://schemas.microsoft.com/office/drawing/2010/main">
+        <mc:Choice Requires="a14">
           <p:sp>
             <p:nvSpPr>
               <p:cNvPr id="25" name="TextBox 24">
@@ -18008,6 +18158,7 @@
               </a:bodyPr>
               <a:lstStyle/>
               <a:p>
+                <a:pPr/>
                 <a14:m>
                   <m:oMathPara xmlns:m="http://schemas.openxmlformats.org/officeDocument/2006/math">
                     <m:oMathParaPr>
@@ -18047,7 +18198,7 @@
             </p:txBody>
           </p:sp>
         </mc:Choice>
-        <mc:Fallback>
+        <mc:Fallback xmlns="">
           <p:sp>
             <p:nvSpPr>
               <p:cNvPr id="25" name="TextBox 24">
@@ -19049,8 +19200,8 @@
           </a:fontRef>
         </p:style>
       </p:cxnSp>
-      <mc:AlternateContent xmlns:mc="http://schemas.openxmlformats.org/markup-compatibility/2006">
-        <mc:Choice xmlns:a14="http://schemas.microsoft.com/office/drawing/2010/main" Requires="a14">
+      <mc:AlternateContent xmlns:mc="http://schemas.openxmlformats.org/markup-compatibility/2006" xmlns:a14="http://schemas.microsoft.com/office/drawing/2010/main">
+        <mc:Choice Requires="a14">
           <p:sp>
             <p:nvSpPr>
               <p:cNvPr id="53" name="TextBox 52">
@@ -19360,7 +19511,7 @@
             </p:txBody>
           </p:sp>
         </mc:Choice>
-        <mc:Fallback>
+        <mc:Fallback xmlns="">
           <p:sp>
             <p:nvSpPr>
               <p:cNvPr id="53" name="TextBox 52">
@@ -19890,8 +20041,8 @@
           </a:p>
         </p:txBody>
       </p:sp>
-      <mc:AlternateContent xmlns:mc="http://schemas.openxmlformats.org/markup-compatibility/2006">
-        <mc:Choice xmlns:a14="http://schemas.microsoft.com/office/drawing/2010/main" Requires="a14">
+      <mc:AlternateContent xmlns:mc="http://schemas.openxmlformats.org/markup-compatibility/2006" xmlns:a14="http://schemas.microsoft.com/office/drawing/2010/main">
+        <mc:Choice Requires="a14">
           <p:sp>
             <p:nvSpPr>
               <p:cNvPr id="25" name="TextBox 24">
@@ -19920,6 +20071,7 @@
               </a:bodyPr>
               <a:lstStyle/>
               <a:p>
+                <a:pPr/>
                 <a14:m>
                   <m:oMathPara xmlns:m="http://schemas.openxmlformats.org/officeDocument/2006/math">
                     <m:oMathParaPr>
@@ -19959,7 +20111,7 @@
             </p:txBody>
           </p:sp>
         </mc:Choice>
-        <mc:Fallback>
+        <mc:Fallback xmlns="">
           <p:sp>
             <p:nvSpPr>
               <p:cNvPr id="25" name="TextBox 24">
@@ -20937,8 +21089,8 @@
           </a:p>
         </p:txBody>
       </p:sp>
-      <mc:AlternateContent xmlns:mc="http://schemas.openxmlformats.org/markup-compatibility/2006">
-        <mc:Choice xmlns:a14="http://schemas.microsoft.com/office/drawing/2010/main" Requires="a14">
+      <mc:AlternateContent xmlns:mc="http://schemas.openxmlformats.org/markup-compatibility/2006" xmlns:a14="http://schemas.microsoft.com/office/drawing/2010/main">
+        <mc:Choice Requires="a14">
           <p:sp>
             <p:nvSpPr>
               <p:cNvPr id="4" name="TextBox 3">
@@ -20967,6 +21119,7 @@
               </a:bodyPr>
               <a:lstStyle/>
               <a:p>
+                <a:pPr/>
                 <a14:m>
                   <m:oMathPara xmlns:m="http://schemas.openxmlformats.org/officeDocument/2006/math">
                     <m:oMathParaPr>
@@ -21215,7 +21368,7 @@
             </p:txBody>
           </p:sp>
         </mc:Choice>
-        <mc:Fallback>
+        <mc:Fallback xmlns="">
           <p:sp>
             <p:nvSpPr>
               <p:cNvPr id="4" name="TextBox 3">
@@ -21260,8 +21413,8 @@
           </p:sp>
         </mc:Fallback>
       </mc:AlternateContent>
-      <mc:AlternateContent xmlns:mc="http://schemas.openxmlformats.org/markup-compatibility/2006">
-        <mc:Choice xmlns:a14="http://schemas.microsoft.com/office/drawing/2010/main" Requires="a14">
+      <mc:AlternateContent xmlns:mc="http://schemas.openxmlformats.org/markup-compatibility/2006" xmlns:a14="http://schemas.microsoft.com/office/drawing/2010/main">
+        <mc:Choice Requires="a14">
           <p:sp>
             <p:nvSpPr>
               <p:cNvPr id="5" name="TextBox 4">
@@ -21693,7 +21846,7 @@
             </p:txBody>
           </p:sp>
         </mc:Choice>
-        <mc:Fallback>
+        <mc:Fallback xmlns="">
           <p:sp>
             <p:nvSpPr>
               <p:cNvPr id="5" name="TextBox 4">
@@ -21987,8 +22140,8 @@
           </a:p>
         </p:txBody>
       </p:sp>
-      <mc:AlternateContent xmlns:mc="http://schemas.openxmlformats.org/markup-compatibility/2006">
-        <mc:Choice xmlns:a14="http://schemas.microsoft.com/office/drawing/2010/main" Requires="a14">
+      <mc:AlternateContent xmlns:mc="http://schemas.openxmlformats.org/markup-compatibility/2006" xmlns:a14="http://schemas.microsoft.com/office/drawing/2010/main">
+        <mc:Choice Requires="a14">
           <p:sp>
             <p:nvSpPr>
               <p:cNvPr id="5" name="TextBox 4">
@@ -22197,7 +22350,7 @@
             </p:txBody>
           </p:sp>
         </mc:Choice>
-        <mc:Fallback>
+        <mc:Fallback xmlns="">
           <p:sp>
             <p:nvSpPr>
               <p:cNvPr id="5" name="TextBox 4">
@@ -22293,8 +22446,8 @@
           </a:p>
         </p:txBody>
       </p:sp>
-      <mc:AlternateContent xmlns:mc="http://schemas.openxmlformats.org/markup-compatibility/2006">
-        <mc:Choice xmlns:a14="http://schemas.microsoft.com/office/drawing/2010/main" Requires="a14">
+      <mc:AlternateContent xmlns:mc="http://schemas.openxmlformats.org/markup-compatibility/2006" xmlns:a14="http://schemas.microsoft.com/office/drawing/2010/main">
+        <mc:Choice Requires="a14">
           <p:sp>
             <p:nvSpPr>
               <p:cNvPr id="7" name="TextBox 6">
@@ -22323,6 +22476,7 @@
               </a:bodyPr>
               <a:lstStyle/>
               <a:p>
+                <a:pPr/>
                 <a14:m>
                   <m:oMathPara xmlns:m="http://schemas.openxmlformats.org/officeDocument/2006/math">
                     <m:oMathParaPr>
@@ -22497,7 +22651,7 @@
             </p:txBody>
           </p:sp>
         </mc:Choice>
-        <mc:Fallback>
+        <mc:Fallback xmlns="">
           <p:sp>
             <p:nvSpPr>
               <p:cNvPr id="7" name="TextBox 6">
@@ -23109,8 +23263,8 @@
           </a:p>
         </p:txBody>
       </p:sp>
-      <mc:AlternateContent xmlns:mc="http://schemas.openxmlformats.org/markup-compatibility/2006">
-        <mc:Choice xmlns:a14="http://schemas.microsoft.com/office/drawing/2010/main" Requires="a14">
+      <mc:AlternateContent xmlns:mc="http://schemas.openxmlformats.org/markup-compatibility/2006" xmlns:a14="http://schemas.microsoft.com/office/drawing/2010/main">
+        <mc:Choice Requires="a14">
           <p:sp>
             <p:nvSpPr>
               <p:cNvPr id="9" name="TextBox 8">
@@ -23401,7 +23555,7 @@
             </p:txBody>
           </p:sp>
         </mc:Choice>
-        <mc:Fallback>
+        <mc:Fallback xmlns="">
           <p:sp>
             <p:nvSpPr>
               <p:cNvPr id="9" name="TextBox 8">
@@ -23446,8 +23600,8 @@
           </p:sp>
         </mc:Fallback>
       </mc:AlternateContent>
-      <mc:AlternateContent xmlns:mc="http://schemas.openxmlformats.org/markup-compatibility/2006">
-        <mc:Choice xmlns:a14="http://schemas.microsoft.com/office/drawing/2010/main" Requires="a14">
+      <mc:AlternateContent xmlns:mc="http://schemas.openxmlformats.org/markup-compatibility/2006" xmlns:a14="http://schemas.microsoft.com/office/drawing/2010/main">
+        <mc:Choice Requires="a14">
           <p:sp>
             <p:nvSpPr>
               <p:cNvPr id="10" name="TextBox 9">
@@ -23791,7 +23945,7 @@
             </p:txBody>
           </p:sp>
         </mc:Choice>
-        <mc:Fallback>
+        <mc:Fallback xmlns="">
           <p:sp>
             <p:nvSpPr>
               <p:cNvPr id="10" name="TextBox 9">
@@ -23836,8 +23990,8 @@
           </p:sp>
         </mc:Fallback>
       </mc:AlternateContent>
-      <mc:AlternateContent xmlns:mc="http://schemas.openxmlformats.org/markup-compatibility/2006">
-        <mc:Choice xmlns:a14="http://schemas.microsoft.com/office/drawing/2010/main" Requires="a14">
+      <mc:AlternateContent xmlns:mc="http://schemas.openxmlformats.org/markup-compatibility/2006" xmlns:a14="http://schemas.microsoft.com/office/drawing/2010/main">
+        <mc:Choice Requires="a14">
           <p:sp>
             <p:nvSpPr>
               <p:cNvPr id="11" name="TextBox 10">
@@ -24046,7 +24200,7 @@
             </p:txBody>
           </p:sp>
         </mc:Choice>
-        <mc:Fallback>
+        <mc:Fallback xmlns="">
           <p:sp>
             <p:nvSpPr>
               <p:cNvPr id="11" name="TextBox 10">
@@ -24091,8 +24245,8 @@
           </p:sp>
         </mc:Fallback>
       </mc:AlternateContent>
-      <mc:AlternateContent xmlns:mc="http://schemas.openxmlformats.org/markup-compatibility/2006">
-        <mc:Choice xmlns:a14="http://schemas.microsoft.com/office/drawing/2010/main" Requires="a14">
+      <mc:AlternateContent xmlns:mc="http://schemas.openxmlformats.org/markup-compatibility/2006" xmlns:a14="http://schemas.microsoft.com/office/drawing/2010/main">
+        <mc:Choice Requires="a14">
           <p:sp>
             <p:nvSpPr>
               <p:cNvPr id="12" name="TextBox 11">
@@ -24333,7 +24487,7 @@
             </p:txBody>
           </p:sp>
         </mc:Choice>
-        <mc:Fallback>
+        <mc:Fallback xmlns="">
           <p:sp>
             <p:nvSpPr>
               <p:cNvPr id="12" name="TextBox 11">
@@ -24378,8 +24532,8 @@
           </p:sp>
         </mc:Fallback>
       </mc:AlternateContent>
-      <mc:AlternateContent xmlns:mc="http://schemas.openxmlformats.org/markup-compatibility/2006">
-        <mc:Choice xmlns:a14="http://schemas.microsoft.com/office/drawing/2010/main" Requires="a14">
+      <mc:AlternateContent xmlns:mc="http://schemas.openxmlformats.org/markup-compatibility/2006" xmlns:a14="http://schemas.microsoft.com/office/drawing/2010/main">
+        <mc:Choice Requires="a14">
           <p:sp>
             <p:nvSpPr>
               <p:cNvPr id="14" name="TextBox 13">
@@ -24408,6 +24562,7 @@
               </a:bodyPr>
               <a:lstStyle/>
               <a:p>
+                <a:pPr/>
                 <a14:m>
                   <m:oMathPara xmlns:m="http://schemas.openxmlformats.org/officeDocument/2006/math">
                     <m:oMathParaPr>
@@ -24509,7 +24664,7 @@
             </p:txBody>
           </p:sp>
         </mc:Choice>
-        <mc:Fallback>
+        <mc:Fallback xmlns="">
           <p:sp>
             <p:nvSpPr>
               <p:cNvPr id="14" name="TextBox 13">
@@ -24554,8 +24709,8 @@
           </p:sp>
         </mc:Fallback>
       </mc:AlternateContent>
-      <mc:AlternateContent xmlns:mc="http://schemas.openxmlformats.org/markup-compatibility/2006">
-        <mc:Choice xmlns:a14="http://schemas.microsoft.com/office/drawing/2010/main" Requires="a14">
+      <mc:AlternateContent xmlns:mc="http://schemas.openxmlformats.org/markup-compatibility/2006" xmlns:a14="http://schemas.microsoft.com/office/drawing/2010/main">
+        <mc:Choice Requires="a14">
           <p:sp>
             <p:nvSpPr>
               <p:cNvPr id="15" name="TextBox 14">
@@ -24792,7 +24947,7 @@
             </p:txBody>
           </p:sp>
         </mc:Choice>
-        <mc:Fallback>
+        <mc:Fallback xmlns="">
           <p:sp>
             <p:nvSpPr>
               <p:cNvPr id="15" name="TextBox 14">
@@ -24837,8 +24992,8 @@
           </p:sp>
         </mc:Fallback>
       </mc:AlternateContent>
-      <mc:AlternateContent xmlns:mc="http://schemas.openxmlformats.org/markup-compatibility/2006">
-        <mc:Choice xmlns:a14="http://schemas.microsoft.com/office/drawing/2010/main" Requires="a14">
+      <mc:AlternateContent xmlns:mc="http://schemas.openxmlformats.org/markup-compatibility/2006" xmlns:a14="http://schemas.microsoft.com/office/drawing/2010/main">
+        <mc:Choice Requires="a14">
           <p:sp>
             <p:nvSpPr>
               <p:cNvPr id="16" name="TextBox 15">
@@ -25001,7 +25156,7 @@
             </p:txBody>
           </p:sp>
         </mc:Choice>
-        <mc:Fallback>
+        <mc:Fallback xmlns="">
           <p:sp>
             <p:nvSpPr>
               <p:cNvPr id="16" name="TextBox 15">
@@ -25139,7 +25294,6 @@
           </a:bodyPr>
           <a:lstStyle/>
           <a:p>
-            <a:pPr/>
             <a:r>
               <a:rPr lang="en-GB" dirty="0" err="1">
                 <a:latin typeface="Consolas" panose="020B0609020204030204" pitchFamily="49" charset="0"/>
@@ -25228,7 +25382,6 @@
           </a:bodyPr>
           <a:lstStyle/>
           <a:p>
-            <a:pPr/>
             <a:r>
               <a:rPr lang="pl-PL" dirty="0">
                 <a:latin typeface="Consolas" panose="020B0609020204030204" pitchFamily="49" charset="0"/>
@@ -25240,7 +25393,6 @@
             </a:endParaRPr>
           </a:p>
           <a:p>
-            <a:pPr/>
             <a:r>
               <a:rPr lang="en-GB" dirty="0">
                 <a:latin typeface="Consolas" panose="020B0609020204030204" pitchFamily="49" charset="0"/>
@@ -25357,7 +25509,6 @@
           </a:bodyPr>
           <a:lstStyle/>
           <a:p>
-            <a:pPr/>
             <a:r>
               <a:rPr lang="en-GB" dirty="0" err="1">
                 <a:latin typeface="Consolas" panose="020B0609020204030204" pitchFamily="49" charset="0"/>
@@ -25384,7 +25535,6 @@
             </a:r>
           </a:p>
           <a:p>
-            <a:pPr/>
             <a:r>
               <a:rPr lang="en-GB" dirty="0">
                 <a:latin typeface="Consolas" panose="020B0609020204030204" pitchFamily="49" charset="0"/>
@@ -25486,7 +25636,6 @@
           </a:bodyPr>
           <a:lstStyle/>
           <a:p>
-            <a:pPr/>
             <a:r>
               <a:rPr lang="en-GB" dirty="0" err="1">
                 <a:latin typeface="Consolas" panose="020B0609020204030204" pitchFamily="49" charset="0"/>
@@ -25578,7 +25727,6 @@
           </a:bodyPr>
           <a:lstStyle/>
           <a:p>
-            <a:pPr/>
             <a:r>
               <a:rPr lang="en-GB" dirty="0" err="1">
                 <a:latin typeface="Consolas" panose="020B0609020204030204" pitchFamily="49" charset="0"/>
@@ -25671,8 +25819,8 @@
           </a:p>
         </p:txBody>
       </p:sp>
-      <mc:AlternateContent xmlns:mc="http://schemas.openxmlformats.org/markup-compatibility/2006">
-        <mc:Choice xmlns:a14="http://schemas.microsoft.com/office/drawing/2010/main" Requires="a14">
+      <mc:AlternateContent xmlns:mc="http://schemas.openxmlformats.org/markup-compatibility/2006" xmlns:a14="http://schemas.microsoft.com/office/drawing/2010/main">
+        <mc:Choice Requires="a14">
           <p:graphicFrame>
             <p:nvGraphicFramePr>
               <p:cNvPr id="4" name="Table 3">
@@ -25798,6 +25946,7 @@
                         <a:bodyPr/>
                         <a:lstStyle/>
                         <a:p>
+                          <a:pPr/>
                           <a14:m>
                             <m:oMathPara xmlns:m="http://schemas.openxmlformats.org/officeDocument/2006/math">
                               <m:oMathParaPr>
@@ -25938,6 +26087,7 @@
                         <a:bodyPr/>
                         <a:lstStyle/>
                         <a:p>
+                          <a:pPr/>
                           <a14:m>
                             <m:oMathPara xmlns:m="http://schemas.openxmlformats.org/officeDocument/2006/math">
                               <m:oMathParaPr>
@@ -26044,6 +26194,7 @@
                         <a:bodyPr/>
                         <a:lstStyle/>
                         <a:p>
+                          <a:pPr/>
                           <a14:m>
                             <m:oMathPara xmlns:m="http://schemas.openxmlformats.org/officeDocument/2006/math">
                               <m:oMathParaPr>
@@ -26150,6 +26301,7 @@
                         <a:bodyPr/>
                         <a:lstStyle/>
                         <a:p>
+                          <a:pPr/>
                           <a14:m>
                             <m:oMathPara xmlns:m="http://schemas.openxmlformats.org/officeDocument/2006/math">
                               <m:oMathParaPr>
@@ -26256,6 +26408,7 @@
                         <a:bodyPr/>
                         <a:lstStyle/>
                         <a:p>
+                          <a:pPr/>
                           <a14:m>
                             <m:oMathPara xmlns:m="http://schemas.openxmlformats.org/officeDocument/2006/math">
                               <m:oMathParaPr>
@@ -26343,6 +26496,7 @@
                         <a:bodyPr/>
                         <a:lstStyle/>
                         <a:p>
+                          <a:pPr/>
                           <a14:m>
                             <m:oMathPara xmlns:m="http://schemas.openxmlformats.org/officeDocument/2006/math">
                               <m:oMathParaPr>
@@ -26439,6 +26593,7 @@
                         <a:bodyPr/>
                         <a:lstStyle/>
                         <a:p>
+                          <a:pPr/>
                           <a14:m>
                             <m:oMathPara xmlns:m="http://schemas.openxmlformats.org/officeDocument/2006/math">
                               <m:oMathParaPr>
@@ -26628,6 +26783,7 @@
                         <a:bodyPr/>
                         <a:lstStyle/>
                         <a:p>
+                          <a:pPr/>
                           <a14:m>
                             <m:oMathPara xmlns:m="http://schemas.openxmlformats.org/officeDocument/2006/math">
                               <m:oMathParaPr>
@@ -26753,6 +26909,7 @@
                         <a:bodyPr/>
                         <a:lstStyle/>
                         <a:p>
+                          <a:pPr/>
                           <a14:m>
                             <m:oMathPara xmlns:m="http://schemas.openxmlformats.org/officeDocument/2006/math">
                               <m:oMathParaPr>
@@ -26878,6 +27035,7 @@
                         <a:bodyPr/>
                         <a:lstStyle/>
                         <a:p>
+                          <a:pPr/>
                           <a14:m>
                             <m:oMathPara xmlns:m="http://schemas.openxmlformats.org/officeDocument/2006/math">
                               <m:oMathParaPr>
@@ -27021,7 +27179,7 @@
             </a:graphic>
           </p:graphicFrame>
         </mc:Choice>
-        <mc:Fallback>
+        <mc:Fallback xmlns="">
           <p:graphicFrame>
             <p:nvGraphicFramePr>
               <p:cNvPr id="4" name="Table 3">
@@ -28241,7 +28399,514 @@
           <a:p>
             <a:r>
               <a:rPr lang="en-GB" dirty="0"/>
-              <a:t>How are we doing this?</a:t>
+              <a:t>You have RStudio installed</a:t>
+            </a:r>
+          </a:p>
+        </p:txBody>
+      </p:sp>
+      <p:pic>
+        <p:nvPicPr>
+          <p:cNvPr id="2050" name="Picture 2" descr="GitHub Logo: valor, história, PNG">
+            <a:extLst>
+              <a:ext uri="{FF2B5EF4-FFF2-40B4-BE49-F238E27FC236}">
+                <a16:creationId xmlns:a16="http://schemas.microsoft.com/office/drawing/2014/main" id="{4B108334-E1D1-414D-8BF3-E75B71927328}"/>
+              </a:ext>
+            </a:extLst>
+          </p:cNvPr>
+          <p:cNvPicPr>
+            <a:picLocks noChangeAspect="1" noChangeArrowheads="1"/>
+          </p:cNvPicPr>
+          <p:nvPr/>
+        </p:nvPicPr>
+        <p:blipFill>
+          <a:blip r:embed="rId2">
+            <a:extLst>
+              <a:ext uri="{28A0092B-C50C-407E-A947-70E740481C1C}">
+                <a14:useLocalDpi xmlns:a14="http://schemas.microsoft.com/office/drawing/2010/main" val="0"/>
+              </a:ext>
+            </a:extLst>
+          </a:blip>
+          <a:srcRect/>
+          <a:stretch>
+            <a:fillRect/>
+          </a:stretch>
+        </p:blipFill>
+        <p:spPr bwMode="auto">
+          <a:xfrm>
+            <a:off x="720666" y="2032086"/>
+            <a:ext cx="1175245" cy="659526"/>
+          </a:xfrm>
+          <a:prstGeom prst="rect">
+            <a:avLst/>
+          </a:prstGeom>
+          <a:noFill/>
+          <a:extLst>
+            <a:ext uri="{909E8E84-426E-40DD-AFC4-6F175D3DCCD1}">
+              <a14:hiddenFill xmlns:a14="http://schemas.microsoft.com/office/drawing/2010/main">
+                <a:solidFill>
+                  <a:srgbClr val="FFFFFF"/>
+                </a:solidFill>
+              </a14:hiddenFill>
+            </a:ext>
+          </a:extLst>
+        </p:spPr>
+      </p:pic>
+      <p:pic>
+        <p:nvPicPr>
+          <p:cNvPr id="2054" name="Picture 6" descr="RStudio Logo Usage Guidelines - RStudio">
+            <a:extLst>
+              <a:ext uri="{FF2B5EF4-FFF2-40B4-BE49-F238E27FC236}">
+                <a16:creationId xmlns:a16="http://schemas.microsoft.com/office/drawing/2014/main" id="{81BBE906-78F1-42F6-BEB7-59AC48FEF2CE}"/>
+              </a:ext>
+            </a:extLst>
+          </p:cNvPr>
+          <p:cNvPicPr>
+            <a:picLocks noChangeAspect="1" noChangeArrowheads="1"/>
+          </p:cNvPicPr>
+          <p:nvPr/>
+        </p:nvPicPr>
+        <p:blipFill>
+          <a:blip r:embed="rId3">
+            <a:extLst>
+              <a:ext uri="{28A0092B-C50C-407E-A947-70E740481C1C}">
+                <a14:useLocalDpi xmlns:a14="http://schemas.microsoft.com/office/drawing/2010/main" val="0"/>
+              </a:ext>
+            </a:extLst>
+          </a:blip>
+          <a:srcRect/>
+          <a:stretch>
+            <a:fillRect/>
+          </a:stretch>
+        </p:blipFill>
+        <p:spPr bwMode="auto">
+          <a:xfrm>
+            <a:off x="4776239" y="4543398"/>
+            <a:ext cx="1923662" cy="675620"/>
+          </a:xfrm>
+          <a:prstGeom prst="rect">
+            <a:avLst/>
+          </a:prstGeom>
+          <a:noFill/>
+          <a:extLst>
+            <a:ext uri="{909E8E84-426E-40DD-AFC4-6F175D3DCCD1}">
+              <a14:hiddenFill xmlns:a14="http://schemas.microsoft.com/office/drawing/2010/main">
+                <a:solidFill>
+                  <a:srgbClr val="FFFFFF"/>
+                </a:solidFill>
+              </a14:hiddenFill>
+            </a:ext>
+          </a:extLst>
+        </p:spPr>
+      </p:pic>
+      <p:sp>
+        <p:nvSpPr>
+          <p:cNvPr id="4" name="Rectangle 3">
+            <a:extLst>
+              <a:ext uri="{FF2B5EF4-FFF2-40B4-BE49-F238E27FC236}">
+                <a16:creationId xmlns:a16="http://schemas.microsoft.com/office/drawing/2014/main" id="{AC8B353C-2707-448F-87A3-0DE9964C463A}"/>
+              </a:ext>
+            </a:extLst>
+          </p:cNvPr>
+          <p:cNvSpPr/>
+          <p:nvPr/>
+        </p:nvSpPr>
+        <p:spPr>
+          <a:xfrm>
+            <a:off x="1557649" y="5929803"/>
+            <a:ext cx="2149948" cy="369332"/>
+          </a:xfrm>
+          <a:prstGeom prst="rect">
+            <a:avLst/>
+          </a:prstGeom>
+        </p:spPr>
+        <p:txBody>
+          <a:bodyPr wrap="none">
+            <a:spAutoFit/>
+          </a:bodyPr>
+          <a:lstStyle/>
+          <a:p>
+            <a:r>
+              <a:rPr lang="en-GB" dirty="0"/>
+              <a:t>oxygenModel.Rmd</a:t>
+            </a:r>
+          </a:p>
+        </p:txBody>
+      </p:sp>
+      <p:pic>
+        <p:nvPicPr>
+          <p:cNvPr id="2058" name="Picture 10" descr="Free File SVG, PNG Icon, Symbol. Download Image.">
+            <a:extLst>
+              <a:ext uri="{FF2B5EF4-FFF2-40B4-BE49-F238E27FC236}">
+                <a16:creationId xmlns:a16="http://schemas.microsoft.com/office/drawing/2014/main" id="{107FC75D-D723-43A3-B7B4-CF76FC541D3F}"/>
+              </a:ext>
+            </a:extLst>
+          </p:cNvPr>
+          <p:cNvPicPr>
+            <a:picLocks noChangeAspect="1" noChangeArrowheads="1"/>
+          </p:cNvPicPr>
+          <p:nvPr/>
+        </p:nvPicPr>
+        <p:blipFill>
+          <a:blip r:embed="rId4">
+            <a:extLst>
+              <a:ext uri="{28A0092B-C50C-407E-A947-70E740481C1C}">
+                <a14:useLocalDpi xmlns:a14="http://schemas.microsoft.com/office/drawing/2010/main" val="0"/>
+              </a:ext>
+            </a:extLst>
+          </a:blip>
+          <a:srcRect/>
+          <a:stretch>
+            <a:fillRect/>
+          </a:stretch>
+        </p:blipFill>
+        <p:spPr bwMode="auto">
+          <a:xfrm>
+            <a:off x="946404" y="5616310"/>
+            <a:ext cx="675621" cy="675621"/>
+          </a:xfrm>
+          <a:prstGeom prst="rect">
+            <a:avLst/>
+          </a:prstGeom>
+          <a:noFill/>
+          <a:extLst>
+            <a:ext uri="{909E8E84-426E-40DD-AFC4-6F175D3DCCD1}">
+              <a14:hiddenFill xmlns:a14="http://schemas.microsoft.com/office/drawing/2010/main">
+                <a:solidFill>
+                  <a:srgbClr val="FFFFFF"/>
+                </a:solidFill>
+              </a14:hiddenFill>
+            </a:ext>
+          </a:extLst>
+        </p:spPr>
+      </p:pic>
+      <p:sp>
+        <p:nvSpPr>
+          <p:cNvPr id="5" name="Rectangle: Rounded Corners 4">
+            <a:extLst>
+              <a:ext uri="{FF2B5EF4-FFF2-40B4-BE49-F238E27FC236}">
+                <a16:creationId xmlns:a16="http://schemas.microsoft.com/office/drawing/2014/main" id="{8517FC58-24FF-4B35-A526-CFAF0CC67C69}"/>
+              </a:ext>
+            </a:extLst>
+          </p:cNvPr>
+          <p:cNvSpPr/>
+          <p:nvPr/>
+        </p:nvSpPr>
+        <p:spPr>
+          <a:xfrm>
+            <a:off x="830510" y="1979802"/>
+            <a:ext cx="6006518" cy="1560352"/>
+          </a:xfrm>
+          <a:prstGeom prst="roundRect">
+            <a:avLst/>
+          </a:prstGeom>
+          <a:noFill/>
+        </p:spPr>
+        <p:style>
+          <a:lnRef idx="2">
+            <a:schemeClr val="accent1">
+              <a:shade val="50000"/>
+            </a:schemeClr>
+          </a:lnRef>
+          <a:fillRef idx="1">
+            <a:schemeClr val="accent1"/>
+          </a:fillRef>
+          <a:effectRef idx="0">
+            <a:schemeClr val="accent1"/>
+          </a:effectRef>
+          <a:fontRef idx="minor">
+            <a:schemeClr val="lt1"/>
+          </a:fontRef>
+        </p:style>
+        <p:txBody>
+          <a:bodyPr rtlCol="0" anchor="ctr"/>
+          <a:lstStyle/>
+          <a:p>
+            <a:pPr algn="ctr"/>
+            <a:endParaRPr lang="en-GB"/>
+          </a:p>
+        </p:txBody>
+      </p:sp>
+      <p:sp>
+        <p:nvSpPr>
+          <p:cNvPr id="11" name="TextBox 10">
+            <a:extLst>
+              <a:ext uri="{FF2B5EF4-FFF2-40B4-BE49-F238E27FC236}">
+                <a16:creationId xmlns:a16="http://schemas.microsoft.com/office/drawing/2014/main" id="{27054084-3635-4BAC-8E1E-2F755F43C87B}"/>
+              </a:ext>
+            </a:extLst>
+          </p:cNvPr>
+          <p:cNvSpPr txBox="1"/>
+          <p:nvPr/>
+        </p:nvSpPr>
+        <p:spPr>
+          <a:xfrm>
+            <a:off x="1702965" y="2042859"/>
+            <a:ext cx="5125121" cy="307777"/>
+          </a:xfrm>
+          <a:prstGeom prst="rect">
+            <a:avLst/>
+          </a:prstGeom>
+          <a:noFill/>
+        </p:spPr>
+        <p:txBody>
+          <a:bodyPr wrap="none" rtlCol="0">
+            <a:spAutoFit/>
+          </a:bodyPr>
+          <a:lstStyle/>
+          <a:p>
+            <a:r>
+              <a:rPr lang="en-GB" sz="1400" dirty="0">
+                <a:hlinkClick r:id="rId5"/>
+              </a:rPr>
+              <a:t>https://github.com/camilleminaudo/oxygen-model-students</a:t>
+            </a:r>
+            <a:r>
+              <a:rPr lang="en-GB" sz="1400" dirty="0"/>
+              <a:t>  </a:t>
+            </a:r>
+          </a:p>
+        </p:txBody>
+      </p:sp>
+      <p:cxnSp>
+        <p:nvCxnSpPr>
+          <p:cNvPr id="7" name="Connector: Elbow 6">
+            <a:extLst>
+              <a:ext uri="{FF2B5EF4-FFF2-40B4-BE49-F238E27FC236}">
+                <a16:creationId xmlns:a16="http://schemas.microsoft.com/office/drawing/2014/main" id="{608FCC5C-2C64-4379-8192-5920852B4ABF}"/>
+              </a:ext>
+            </a:extLst>
+          </p:cNvPr>
+          <p:cNvCxnSpPr>
+            <a:stCxn id="4" idx="2"/>
+            <a:endCxn id="2054" idx="1"/>
+          </p:cNvCxnSpPr>
+          <p:nvPr/>
+        </p:nvCxnSpPr>
+        <p:spPr>
+          <a:xfrm rot="5400000" flipH="1" flipV="1">
+            <a:off x="2995467" y="4518364"/>
+            <a:ext cx="1417927" cy="2143616"/>
+          </a:xfrm>
+          <a:prstGeom prst="bentConnector4">
+            <a:avLst>
+              <a:gd name="adj1" fmla="val -16122"/>
+              <a:gd name="adj2" fmla="val 75074"/>
+            </a:avLst>
+          </a:prstGeom>
+          <a:ln w="57150">
+            <a:tailEnd type="triangle"/>
+          </a:ln>
+        </p:spPr>
+        <p:style>
+          <a:lnRef idx="1">
+            <a:schemeClr val="accent1"/>
+          </a:lnRef>
+          <a:fillRef idx="0">
+            <a:schemeClr val="accent1"/>
+          </a:fillRef>
+          <a:effectRef idx="0">
+            <a:schemeClr val="accent1"/>
+          </a:effectRef>
+          <a:fontRef idx="minor">
+            <a:schemeClr val="tx1"/>
+          </a:fontRef>
+        </p:style>
+      </p:cxnSp>
+      <p:pic>
+        <p:nvPicPr>
+          <p:cNvPr id="1028" name="Picture 4" descr="Laptop Computer Vector Icon 551713 Vector Art at Vecteezy">
+            <a:extLst>
+              <a:ext uri="{FF2B5EF4-FFF2-40B4-BE49-F238E27FC236}">
+                <a16:creationId xmlns:a16="http://schemas.microsoft.com/office/drawing/2014/main" id="{04BDB3BE-27FD-4310-84E8-50FEFCE6903D}"/>
+              </a:ext>
+            </a:extLst>
+          </p:cNvPr>
+          <p:cNvPicPr>
+            <a:picLocks noChangeAspect="1" noChangeArrowheads="1"/>
+          </p:cNvPicPr>
+          <p:nvPr/>
+        </p:nvPicPr>
+        <p:blipFill>
+          <a:blip r:embed="rId6">
+            <a:extLst>
+              <a:ext uri="{28A0092B-C50C-407E-A947-70E740481C1C}">
+                <a14:useLocalDpi xmlns:a14="http://schemas.microsoft.com/office/drawing/2010/main" val="0"/>
+              </a:ext>
+            </a:extLst>
+          </a:blip>
+          <a:srcRect/>
+          <a:stretch>
+            <a:fillRect/>
+          </a:stretch>
+        </p:blipFill>
+        <p:spPr bwMode="auto">
+          <a:xfrm>
+            <a:off x="1436614" y="4881208"/>
+            <a:ext cx="918594" cy="918594"/>
+          </a:xfrm>
+          <a:prstGeom prst="rect">
+            <a:avLst/>
+          </a:prstGeom>
+          <a:noFill/>
+          <a:extLst>
+            <a:ext uri="{909E8E84-426E-40DD-AFC4-6F175D3DCCD1}">
+              <a14:hiddenFill xmlns:a14="http://schemas.microsoft.com/office/drawing/2010/main">
+                <a:solidFill>
+                  <a:srgbClr val="FFFFFF"/>
+                </a:solidFill>
+              </a14:hiddenFill>
+            </a:ext>
+          </a:extLst>
+        </p:spPr>
+      </p:pic>
+      <p:cxnSp>
+        <p:nvCxnSpPr>
+          <p:cNvPr id="17" name="Connector: Elbow 16">
+            <a:extLst>
+              <a:ext uri="{FF2B5EF4-FFF2-40B4-BE49-F238E27FC236}">
+                <a16:creationId xmlns:a16="http://schemas.microsoft.com/office/drawing/2014/main" id="{E54AA0AC-E1CC-4A5B-AE60-B50BFD30C8FA}"/>
+              </a:ext>
+            </a:extLst>
+          </p:cNvPr>
+          <p:cNvCxnSpPr>
+            <a:cxnSpLocks/>
+            <a:stCxn id="5" idx="2"/>
+            <a:endCxn id="1028" idx="0"/>
+          </p:cNvCxnSpPr>
+          <p:nvPr/>
+        </p:nvCxnSpPr>
+        <p:spPr>
+          <a:xfrm rot="5400000">
+            <a:off x="2194313" y="3241752"/>
+            <a:ext cx="1341054" cy="1937858"/>
+          </a:xfrm>
+          <a:prstGeom prst="bentConnector3">
+            <a:avLst>
+              <a:gd name="adj1" fmla="val 50000"/>
+            </a:avLst>
+          </a:prstGeom>
+          <a:ln w="57150">
+            <a:tailEnd type="triangle"/>
+          </a:ln>
+        </p:spPr>
+        <p:style>
+          <a:lnRef idx="1">
+            <a:schemeClr val="accent1"/>
+          </a:lnRef>
+          <a:fillRef idx="0">
+            <a:schemeClr val="accent1"/>
+          </a:fillRef>
+          <a:effectRef idx="0">
+            <a:schemeClr val="accent1"/>
+          </a:effectRef>
+          <a:fontRef idx="minor">
+            <a:schemeClr val="tx1"/>
+          </a:fontRef>
+        </p:style>
+      </p:cxnSp>
+      <p:sp>
+        <p:nvSpPr>
+          <p:cNvPr id="14" name="TextBox 13">
+            <a:extLst>
+              <a:ext uri="{FF2B5EF4-FFF2-40B4-BE49-F238E27FC236}">
+                <a16:creationId xmlns:a16="http://schemas.microsoft.com/office/drawing/2014/main" id="{4CA92650-195E-417C-A92E-D51F9BE7B309}"/>
+              </a:ext>
+            </a:extLst>
+          </p:cNvPr>
+          <p:cNvSpPr txBox="1"/>
+          <p:nvPr/>
+        </p:nvSpPr>
+        <p:spPr>
+          <a:xfrm>
+            <a:off x="2063691" y="2421914"/>
+            <a:ext cx="4697836" cy="923330"/>
+          </a:xfrm>
+          <a:prstGeom prst="rect">
+            <a:avLst/>
+          </a:prstGeom>
+          <a:noFill/>
+        </p:spPr>
+        <p:txBody>
+          <a:bodyPr wrap="square" rtlCol="0">
+            <a:spAutoFit/>
+          </a:bodyPr>
+          <a:lstStyle/>
+          <a:p>
+            <a:pPr marL="285750" indent="-285750">
+              <a:buFont typeface="Arial" panose="020B0604020202020204" pitchFamily="34" charset="0"/>
+              <a:buChar char="•"/>
+            </a:pPr>
+            <a:r>
+              <a:rPr lang="en-GB" dirty="0"/>
+              <a:t>Option A: download the entire repository</a:t>
+            </a:r>
+          </a:p>
+          <a:p>
+            <a:pPr marL="285750" indent="-285750">
+              <a:buFont typeface="Arial" panose="020B0604020202020204" pitchFamily="34" charset="0"/>
+              <a:buChar char="•"/>
+            </a:pPr>
+            <a:r>
+              <a:rPr lang="en-GB" dirty="0"/>
+              <a:t>Option B: clone to this repository</a:t>
+            </a:r>
+          </a:p>
+        </p:txBody>
+      </p:sp>
+    </p:spTree>
+    <p:extLst>
+      <p:ext uri="{BB962C8B-B14F-4D97-AF65-F5344CB8AC3E}">
+        <p14:creationId xmlns:p14="http://schemas.microsoft.com/office/powerpoint/2010/main" val="1884481541"/>
+      </p:ext>
+    </p:extLst>
+  </p:cSld>
+  <p:clrMapOvr>
+    <a:masterClrMapping/>
+  </p:clrMapOvr>
+</p:sld>
+</file>
+
+<file path=ppt/slides/slide26.xml><?xml version="1.0" encoding="utf-8"?>
+<p:sld xmlns:a="http://schemas.openxmlformats.org/drawingml/2006/main" xmlns:r="http://schemas.openxmlformats.org/officeDocument/2006/relationships" xmlns:p="http://schemas.openxmlformats.org/presentationml/2006/main">
+  <p:cSld>
+    <p:spTree>
+      <p:nvGrpSpPr>
+        <p:cNvPr id="1" name=""/>
+        <p:cNvGrpSpPr/>
+        <p:nvPr/>
+      </p:nvGrpSpPr>
+      <p:grpSpPr>
+        <a:xfrm>
+          <a:off x="0" y="0"/>
+          <a:ext cx="0" cy="0"/>
+          <a:chOff x="0" y="0"/>
+          <a:chExt cx="0" cy="0"/>
+        </a:xfrm>
+      </p:grpSpPr>
+      <p:sp>
+        <p:nvSpPr>
+          <p:cNvPr id="2" name="Title 1">
+            <a:extLst>
+              <a:ext uri="{FF2B5EF4-FFF2-40B4-BE49-F238E27FC236}">
+                <a16:creationId xmlns:a16="http://schemas.microsoft.com/office/drawing/2014/main" id="{2F909956-5898-4C58-8FC3-61225DB40F99}"/>
+              </a:ext>
+            </a:extLst>
+          </p:cNvPr>
+          <p:cNvSpPr>
+            <a:spLocks noGrp="1"/>
+          </p:cNvSpPr>
+          <p:nvPr>
+            <p:ph type="title"/>
+          </p:nvPr>
+        </p:nvSpPr>
+        <p:spPr/>
+        <p:txBody>
+          <a:bodyPr/>
+          <a:lstStyle/>
+          <a:p>
+            <a:r>
+              <a:rPr lang="en-GB" dirty="0"/>
+              <a:t>You don’t have RStudio installed</a:t>
             </a:r>
           </a:p>
         </p:txBody>
@@ -28415,10 +29080,9 @@
           <a:lstStyle/>
           <a:p>
             <a:r>
-              <a:rPr lang="en-GB" dirty="0" err="1"/>
+              <a:rPr lang="en-GB" dirty="0"/>
               <a:t>oxygenModel.Rmd</a:t>
             </a:r>
-            <a:endParaRPr lang="en-GB" dirty="0"/>
           </a:p>
         </p:txBody>
       </p:sp>
@@ -28694,7 +29358,7 @@
     </p:spTree>
     <p:extLst>
       <p:ext uri="{BB962C8B-B14F-4D97-AF65-F5344CB8AC3E}">
-        <p14:creationId xmlns:p14="http://schemas.microsoft.com/office/powerpoint/2010/main" val="1884481541"/>
+        <p14:creationId xmlns:p14="http://schemas.microsoft.com/office/powerpoint/2010/main" val="3748865829"/>
       </p:ext>
     </p:extLst>
   </p:cSld>
@@ -28704,7 +29368,7 @@
 </p:sld>
 </file>
 
-<file path=ppt/slides/slide26.xml><?xml version="1.0" encoding="utf-8"?>
+<file path=ppt/slides/slide27.xml><?xml version="1.0" encoding="utf-8"?>
 <p:sld xmlns:a="http://schemas.openxmlformats.org/drawingml/2006/main" xmlns:r="http://schemas.openxmlformats.org/officeDocument/2006/relationships" xmlns:p="http://schemas.openxmlformats.org/presentationml/2006/main">
   <p:cSld>
     <p:spTree>
@@ -28744,7 +29408,7 @@
           <a:p>
             <a:r>
               <a:rPr lang="en-GB" dirty="0"/>
-              <a:t>Step by step</a:t>
+              <a:t>The model, step by step</a:t>
             </a:r>
           </a:p>
         </p:txBody>
@@ -28849,6 +29513,12 @@
             </a:r>
             <a:endParaRPr lang="en-GB" dirty="0"/>
           </a:p>
+          <a:p>
+            <a:r>
+              <a:rPr lang="en-GB" dirty="0"/>
+              <a:t>Follow instructions and run the model</a:t>
+            </a:r>
+          </a:p>
         </p:txBody>
       </p:sp>
       <p:pic>
@@ -28873,7 +29543,7 @@
         </p:blipFill>
         <p:spPr>
           <a:xfrm>
-            <a:off x="5726933" y="1275804"/>
+            <a:off x="5726933" y="2165038"/>
             <a:ext cx="3318642" cy="2965094"/>
           </a:xfrm>
           <a:prstGeom prst="rect">
@@ -28895,7 +29565,7 @@
         </p:nvSpPr>
         <p:spPr>
           <a:xfrm>
-            <a:off x="5754848" y="3791824"/>
+            <a:off x="5754848" y="4714614"/>
             <a:ext cx="1040234" cy="385893"/>
           </a:xfrm>
           <a:prstGeom prst="ellipse">
@@ -29055,15 +29725,7 @@
             <a:pPr lvl="1"/>
             <a:r>
               <a:rPr lang="en-GB" sz="1800" dirty="0"/>
-              <a:t>and their </a:t>
-            </a:r>
-            <a:r>
-              <a:rPr lang="en-GB" sz="1800" dirty="0" err="1"/>
-              <a:t>behaviors</a:t>
-            </a:r>
-            <a:r>
-              <a:rPr lang="en-GB" sz="1800" dirty="0"/>
-              <a:t>.</a:t>
+              <a:t>and their behaviours.</a:t>
             </a:r>
             <a:endParaRPr lang="en-US" sz="1800" dirty="0"/>
           </a:p>
@@ -31277,8 +31939,8 @@
           </a:p>
         </p:txBody>
       </p:sp>
-      <mc:AlternateContent xmlns:mc="http://schemas.openxmlformats.org/markup-compatibility/2006">
-        <mc:Choice xmlns:a14="http://schemas.microsoft.com/office/drawing/2010/main" Requires="a14">
+      <mc:AlternateContent xmlns:mc="http://schemas.openxmlformats.org/markup-compatibility/2006" xmlns:a14="http://schemas.microsoft.com/office/drawing/2010/main">
+        <mc:Choice Requires="a14">
           <p:sp>
             <p:nvSpPr>
               <p:cNvPr id="37" name="TextBox 36">
@@ -31439,7 +32101,7 @@
             </p:txBody>
           </p:sp>
         </mc:Choice>
-        <mc:Fallback>
+        <mc:Fallback xmlns="">
           <p:sp>
             <p:nvSpPr>
               <p:cNvPr id="37" name="TextBox 36">
@@ -31994,8 +32656,8 @@
           </a:p>
         </p:txBody>
       </p:sp>
-      <mc:AlternateContent xmlns:mc="http://schemas.openxmlformats.org/markup-compatibility/2006">
-        <mc:Choice xmlns:a14="http://schemas.microsoft.com/office/drawing/2010/main" Requires="a14">
+      <mc:AlternateContent xmlns:mc="http://schemas.openxmlformats.org/markup-compatibility/2006" xmlns:a14="http://schemas.microsoft.com/office/drawing/2010/main">
+        <mc:Choice Requires="a14">
           <p:sp>
             <p:nvSpPr>
               <p:cNvPr id="37" name="TextBox 36">
@@ -32024,6 +32686,7 @@
               </a:bodyPr>
               <a:lstStyle/>
               <a:p>
+                <a:pPr/>
                 <a14:m>
                   <m:oMathPara xmlns:m="http://schemas.openxmlformats.org/officeDocument/2006/math">
                     <m:oMathParaPr>
@@ -32189,7 +32852,7 @@
             </p:txBody>
           </p:sp>
         </mc:Choice>
-        <mc:Fallback>
+        <mc:Fallback xmlns="">
           <p:sp>
             <p:nvSpPr>
               <p:cNvPr id="37" name="TextBox 36">
@@ -32583,6 +33246,15 @@
 </file>
 
 <file path=customXml/item1.xml><?xml version="1.0" encoding="utf-8"?>
+<?mso-contentType ?>
+<FormTemplates xmlns="http://schemas.microsoft.com/sharepoint/v3/contenttype/forms">
+  <Display>DocumentLibraryForm</Display>
+  <Edit>DocumentLibraryForm</Edit>
+  <New>DocumentLibraryForm</New>
+</FormTemplates>
+</file>
+
+<file path=customXml/item2.xml><?xml version="1.0" encoding="utf-8"?>
 <ct:contentTypeSchema xmlns:ct="http://schemas.microsoft.com/office/2006/metadata/contentType" xmlns:ma="http://schemas.microsoft.com/office/2006/metadata/properties/metaAttributes" ct:_="" ma:_="" ma:contentTypeName="Documento" ma:contentTypeID="0x010100278BE0CE9B782C41B324CF5A9DE4E3CC" ma:contentTypeVersion="9" ma:contentTypeDescription="Crear nuevo documento." ma:contentTypeScope="" ma:versionID="a0f0b942c41cacac54dc793c1ea5f7ef">
   <xsd:schema xmlns:xsd="http://www.w3.org/2001/XMLSchema" xmlns:xs="http://www.w3.org/2001/XMLSchema" xmlns:p="http://schemas.microsoft.com/office/2006/metadata/properties" xmlns:ns3="1de5d872-c50a-4d5a-918c-a1e6719749d6" targetNamespace="http://schemas.microsoft.com/office/2006/metadata/properties" ma:root="true" ma:fieldsID="d2bb6dfff7d30b658c9a0e4687e6ed18" ns3:_="">
     <xsd:import namespace="1de5d872-c50a-4d5a-918c-a1e6719749d6"/>
@@ -32758,15 +33430,6 @@
 </ct:contentTypeSchema>
 </file>
 
-<file path=customXml/item2.xml><?xml version="1.0" encoding="utf-8"?>
-<?mso-contentType ?>
-<FormTemplates xmlns="http://schemas.microsoft.com/sharepoint/v3/contenttype/forms">
-  <Display>DocumentLibraryForm</Display>
-  <Edit>DocumentLibraryForm</Edit>
-  <New>DocumentLibraryForm</New>
-</FormTemplates>
-</file>
-
 <file path=customXml/item3.xml><?xml version="1.0" encoding="utf-8"?>
 <p:properties xmlns:p="http://schemas.microsoft.com/office/2006/metadata/properties" xmlns:xsi="http://www.w3.org/2001/XMLSchema-instance" xmlns:pc="http://schemas.microsoft.com/office/infopath/2007/PartnerControls">
   <documentManagement/>
@@ -32774,6 +33437,14 @@
 </file>
 
 <file path=customXml/itemProps1.xml><?xml version="1.0" encoding="utf-8"?>
+<ds:datastoreItem xmlns:ds="http://schemas.openxmlformats.org/officeDocument/2006/customXml" ds:itemID="{A9075438-4D6A-4B9E-952E-F7CEF14FD116}">
+  <ds:schemaRefs>
+    <ds:schemaRef ds:uri="http://schemas.microsoft.com/sharepoint/v3/contenttype/forms"/>
+  </ds:schemaRefs>
+</ds:datastoreItem>
+</file>
+
+<file path=customXml/itemProps2.xml><?xml version="1.0" encoding="utf-8"?>
 <ds:datastoreItem xmlns:ds="http://schemas.openxmlformats.org/officeDocument/2006/customXml" ds:itemID="{FD10947B-1867-48DE-8308-8329D8FBF53F}">
   <ds:schemaRefs>
     <ds:schemaRef ds:uri="http://schemas.microsoft.com/office/2006/metadata/contentType"/>
@@ -32791,26 +33462,18 @@
 </ds:datastoreItem>
 </file>
 
-<file path=customXml/itemProps2.xml><?xml version="1.0" encoding="utf-8"?>
-<ds:datastoreItem xmlns:ds="http://schemas.openxmlformats.org/officeDocument/2006/customXml" ds:itemID="{A9075438-4D6A-4B9E-952E-F7CEF14FD116}">
-  <ds:schemaRefs>
-    <ds:schemaRef ds:uri="http://schemas.microsoft.com/sharepoint/v3/contenttype/forms"/>
-  </ds:schemaRefs>
-</ds:datastoreItem>
-</file>
-
 <file path=customXml/itemProps3.xml><?xml version="1.0" encoding="utf-8"?>
 <ds:datastoreItem xmlns:ds="http://schemas.openxmlformats.org/officeDocument/2006/customXml" ds:itemID="{0B6D71AE-261F-4D86-9EDD-C37846FBE2E9}">
   <ds:schemaRefs>
-    <ds:schemaRef ds:uri="http://purl.org/dc/terms/"/>
-    <ds:schemaRef ds:uri="1de5d872-c50a-4d5a-918c-a1e6719749d6"/>
-    <ds:schemaRef ds:uri="http://purl.org/dc/elements/1.1/"/>
-    <ds:schemaRef ds:uri="http://schemas.microsoft.com/office/2006/documentManagement/types"/>
     <ds:schemaRef ds:uri="http://www.w3.org/XML/1998/namespace"/>
     <ds:schemaRef ds:uri="http://purl.org/dc/dcmitype/"/>
+    <ds:schemaRef ds:uri="http://purl.org/dc/terms/"/>
+    <ds:schemaRef ds:uri="http://schemas.microsoft.com/office/2006/documentManagement/types"/>
+    <ds:schemaRef ds:uri="http://schemas.openxmlformats.org/package/2006/metadata/core-properties"/>
+    <ds:schemaRef ds:uri="1de5d872-c50a-4d5a-918c-a1e6719749d6"/>
+    <ds:schemaRef ds:uri="http://schemas.microsoft.com/office/2006/metadata/properties"/>
+    <ds:schemaRef ds:uri="http://purl.org/dc/elements/1.1/"/>
     <ds:schemaRef ds:uri="http://schemas.microsoft.com/office/infopath/2007/PartnerControls"/>
-    <ds:schemaRef ds:uri="http://schemas.openxmlformats.org/package/2006/metadata/core-properties"/>
-    <ds:schemaRef ds:uri="http://schemas.microsoft.com/office/2006/metadata/properties"/>
   </ds:schemaRefs>
 </ds:datastoreItem>
 </file>